--- a/20190324-爬虫/python爬虫实战教程.pptx
+++ b/20190324-爬虫/python爬虫实战教程.pptx
@@ -25581,7 +25581,7 @@
             <a:pPr marL="0" lvl="2"/>
             <a:r>
               <a:rPr lang="en-US" altLang="zh-CN" dirty="0"/>
-              <a:t>		&gt;&gt;&gt; classmates = ('Michael', 'Bob', 'Tracy’)</a:t>
+              <a:t>		&gt;&gt;&gt; classmates = ('Michael', 'Bob', 'Tracy')</a:t>
             </a:r>
           </a:p>
           <a:p>
